--- a/logo/logo.pptx
+++ b/logo/logo.pptx
@@ -247,7 +247,7 @@
           <a:p>
             <a:fld id="{D6037436-AA25-489C-9A06-6659D81A6EB1}" type="datetimeFigureOut">
               <a:rPr lang="es-PE" smtClean="0"/>
-              <a:t>5 Feb. 2017</a:t>
+              <a:t>2 Mar. 2017</a:t>
             </a:fld>
             <a:endParaRPr lang="es-PE"/>
           </a:p>
@@ -417,7 +417,7 @@
           <a:p>
             <a:fld id="{D6037436-AA25-489C-9A06-6659D81A6EB1}" type="datetimeFigureOut">
               <a:rPr lang="es-PE" smtClean="0"/>
-              <a:t>5 Feb. 2017</a:t>
+              <a:t>2 Mar. 2017</a:t>
             </a:fld>
             <a:endParaRPr lang="es-PE"/>
           </a:p>
@@ -597,7 +597,7 @@
           <a:p>
             <a:fld id="{D6037436-AA25-489C-9A06-6659D81A6EB1}" type="datetimeFigureOut">
               <a:rPr lang="es-PE" smtClean="0"/>
-              <a:t>5 Feb. 2017</a:t>
+              <a:t>2 Mar. 2017</a:t>
             </a:fld>
             <a:endParaRPr lang="es-PE"/>
           </a:p>
@@ -767,7 +767,7 @@
           <a:p>
             <a:fld id="{D6037436-AA25-489C-9A06-6659D81A6EB1}" type="datetimeFigureOut">
               <a:rPr lang="es-PE" smtClean="0"/>
-              <a:t>5 Feb. 2017</a:t>
+              <a:t>2 Mar. 2017</a:t>
             </a:fld>
             <a:endParaRPr lang="es-PE"/>
           </a:p>
@@ -1013,7 +1013,7 @@
           <a:p>
             <a:fld id="{D6037436-AA25-489C-9A06-6659D81A6EB1}" type="datetimeFigureOut">
               <a:rPr lang="es-PE" smtClean="0"/>
-              <a:t>5 Feb. 2017</a:t>
+              <a:t>2 Mar. 2017</a:t>
             </a:fld>
             <a:endParaRPr lang="es-PE"/>
           </a:p>
@@ -1245,7 +1245,7 @@
           <a:p>
             <a:fld id="{D6037436-AA25-489C-9A06-6659D81A6EB1}" type="datetimeFigureOut">
               <a:rPr lang="es-PE" smtClean="0"/>
-              <a:t>5 Feb. 2017</a:t>
+              <a:t>2 Mar. 2017</a:t>
             </a:fld>
             <a:endParaRPr lang="es-PE"/>
           </a:p>
@@ -1612,7 +1612,7 @@
           <a:p>
             <a:fld id="{D6037436-AA25-489C-9A06-6659D81A6EB1}" type="datetimeFigureOut">
               <a:rPr lang="es-PE" smtClean="0"/>
-              <a:t>5 Feb. 2017</a:t>
+              <a:t>2 Mar. 2017</a:t>
             </a:fld>
             <a:endParaRPr lang="es-PE"/>
           </a:p>
@@ -1730,7 +1730,7 @@
           <a:p>
             <a:fld id="{D6037436-AA25-489C-9A06-6659D81A6EB1}" type="datetimeFigureOut">
               <a:rPr lang="es-PE" smtClean="0"/>
-              <a:t>5 Feb. 2017</a:t>
+              <a:t>2 Mar. 2017</a:t>
             </a:fld>
             <a:endParaRPr lang="es-PE"/>
           </a:p>
@@ -1825,7 +1825,7 @@
           <a:p>
             <a:fld id="{D6037436-AA25-489C-9A06-6659D81A6EB1}" type="datetimeFigureOut">
               <a:rPr lang="es-PE" smtClean="0"/>
-              <a:t>5 Feb. 2017</a:t>
+              <a:t>2 Mar. 2017</a:t>
             </a:fld>
             <a:endParaRPr lang="es-PE"/>
           </a:p>
@@ -2102,7 +2102,7 @@
           <a:p>
             <a:fld id="{D6037436-AA25-489C-9A06-6659D81A6EB1}" type="datetimeFigureOut">
               <a:rPr lang="es-PE" smtClean="0"/>
-              <a:t>5 Feb. 2017</a:t>
+              <a:t>2 Mar. 2017</a:t>
             </a:fld>
             <a:endParaRPr lang="es-PE"/>
           </a:p>
@@ -2355,7 +2355,7 @@
           <a:p>
             <a:fld id="{D6037436-AA25-489C-9A06-6659D81A6EB1}" type="datetimeFigureOut">
               <a:rPr lang="es-PE" smtClean="0"/>
-              <a:t>5 Feb. 2017</a:t>
+              <a:t>2 Mar. 2017</a:t>
             </a:fld>
             <a:endParaRPr lang="es-PE"/>
           </a:p>
@@ -2568,7 +2568,7 @@
           <a:p>
             <a:fld id="{D6037436-AA25-489C-9A06-6659D81A6EB1}" type="datetimeFigureOut">
               <a:rPr lang="es-PE" smtClean="0"/>
-              <a:t>5 Feb. 2017</a:t>
+              <a:t>2 Mar. 2017</a:t>
             </a:fld>
             <a:endParaRPr lang="es-PE"/>
           </a:p>
@@ -3664,274 +3664,289 @@
           <a:chExt cx="0" cy="0"/>
         </a:xfrm>
       </p:grpSpPr>
-      <p:pic>
-        <p:nvPicPr>
-          <p:cNvPr id="6" name="Gráfico 5" descr="Etiqueta"/>
-          <p:cNvPicPr>
-            <a:picLocks noChangeAspect="1"/>
-          </p:cNvPicPr>
+      <p:grpSp>
+        <p:nvGrpSpPr>
+          <p:cNvPr id="2" name="Grupo 1"/>
+          <p:cNvGrpSpPr/>
           <p:nvPr/>
-        </p:nvPicPr>
-        <p:blipFill>
-          <a:blip r:embed="rId2">
-            <a:extLst>
-              <a:ext uri="{28A0092B-C50C-407E-A947-70E740481C1C}">
-                <a14:useLocalDpi xmlns:a14="http://schemas.microsoft.com/office/drawing/2010/main" val="0"/>
-              </a:ext>
-              <a:ext uri="{96DAC541-7B7A-43D3-8B79-37D633B846F1}">
-                <asvg:svgBlip xmlns:asvg="http://schemas.microsoft.com/office/drawing/2016/SVG/main" r:embed="rId3"/>
-              </a:ext>
-            </a:extLst>
-          </a:blip>
-          <a:stretch>
-            <a:fillRect/>
-          </a:stretch>
-        </p:blipFill>
-        <p:spPr>
-          <a:xfrm rot="3105987">
-            <a:off x="4583416" y="2285170"/>
-            <a:ext cx="2627136" cy="3529763"/>
+        </p:nvGrpSpPr>
+        <p:grpSpPr>
+          <a:xfrm>
+            <a:off x="3403232" y="500139"/>
+            <a:ext cx="3529763" cy="2729881"/>
+            <a:chOff x="4132102" y="2633739"/>
+            <a:chExt cx="3529763" cy="2729881"/>
           </a:xfrm>
-          <a:prstGeom prst="rect">
-            <a:avLst/>
-          </a:prstGeom>
-        </p:spPr>
-      </p:pic>
-      <p:sp>
-        <p:nvSpPr>
-          <p:cNvPr id="13" name="Cuadro de texto 2"/>
-          <p:cNvSpPr txBox="1">
-            <a:spLocks noChangeArrowheads="1"/>
-          </p:cNvSpPr>
-          <p:nvPr/>
-        </p:nvSpPr>
-        <p:spPr bwMode="auto">
-          <a:xfrm rot="21317563">
-            <a:off x="5046006" y="2849551"/>
-            <a:ext cx="825674" cy="650593"/>
-          </a:xfrm>
-          <a:prstGeom prst="rect">
-            <a:avLst/>
-          </a:prstGeom>
-          <a:noFill/>
-          <a:ln w="9525">
+        </p:grpSpPr>
+        <p:pic>
+          <p:nvPicPr>
+            <p:cNvPr id="6" name="Gráfico 5" descr="Etiqueta"/>
+            <p:cNvPicPr>
+              <a:picLocks noChangeAspect="1"/>
+            </p:cNvPicPr>
+            <p:nvPr/>
+          </p:nvPicPr>
+          <p:blipFill>
+            <a:blip r:embed="rId2">
+              <a:extLst>
+                <a:ext uri="{28A0092B-C50C-407E-A947-70E740481C1C}">
+                  <a14:useLocalDpi xmlns:a14="http://schemas.microsoft.com/office/drawing/2010/main" val="0"/>
+                </a:ext>
+                <a:ext uri="{96DAC541-7B7A-43D3-8B79-37D633B846F1}">
+                  <asvg:svgBlip xmlns:asvg="http://schemas.microsoft.com/office/drawing/2016/SVG/main" r:embed="rId3"/>
+                </a:ext>
+              </a:extLst>
+            </a:blip>
+            <a:stretch>
+              <a:fillRect/>
+            </a:stretch>
+          </p:blipFill>
+          <p:spPr>
+            <a:xfrm rot="3105987">
+              <a:off x="4583416" y="2285170"/>
+              <a:ext cx="2627136" cy="3529763"/>
+            </a:xfrm>
+            <a:prstGeom prst="rect">
+              <a:avLst/>
+            </a:prstGeom>
+          </p:spPr>
+        </p:pic>
+        <p:sp>
+          <p:nvSpPr>
+            <p:cNvPr id="13" name="Cuadro de texto 2"/>
+            <p:cNvSpPr txBox="1">
+              <a:spLocks noChangeArrowheads="1"/>
+            </p:cNvSpPr>
+            <p:nvPr/>
+          </p:nvSpPr>
+          <p:spPr bwMode="auto">
+            <a:xfrm rot="21317563">
+              <a:off x="5046006" y="2849551"/>
+              <a:ext cx="825674" cy="650593"/>
+            </a:xfrm>
+            <a:prstGeom prst="rect">
+              <a:avLst/>
+            </a:prstGeom>
             <a:noFill/>
-            <a:miter lim="800000"/>
-            <a:headEnd/>
-            <a:tailEnd/>
-          </a:ln>
-        </p:spPr>
-        <p:txBody>
-          <a:bodyPr rot="0" vert="horz" wrap="square" lIns="91440" tIns="45720" rIns="91440" bIns="45720" anchor="t" anchorCtr="0">
-            <a:noAutofit/>
-          </a:bodyPr>
-          <a:lstStyle/>
-          <a:p>
-            <a:pPr>
-              <a:lnSpc>
-                <a:spcPct val="107000"/>
-              </a:lnSpc>
-              <a:spcAft>
-                <a:spcPts val="800"/>
-              </a:spcAft>
-            </a:pPr>
-            <a:r>
-              <a:rPr lang="es-PE" sz="15000" b="1" dirty="0">
-                <a:solidFill>
-                  <a:schemeClr val="bg1"/>
-                </a:solidFill>
+            <a:ln w="9525">
+              <a:noFill/>
+              <a:miter lim="800000"/>
+              <a:headEnd/>
+              <a:tailEnd/>
+            </a:ln>
+          </p:spPr>
+          <p:txBody>
+            <a:bodyPr rot="0" vert="horz" wrap="square" lIns="91440" tIns="45720" rIns="91440" bIns="45720" anchor="t" anchorCtr="0">
+              <a:noAutofit/>
+            </a:bodyPr>
+            <a:lstStyle/>
+            <a:p>
+              <a:pPr>
+                <a:lnSpc>
+                  <a:spcPct val="107000"/>
+                </a:lnSpc>
+                <a:spcAft>
+                  <a:spcPts val="800"/>
+                </a:spcAft>
+              </a:pPr>
+              <a:r>
+                <a:rPr lang="es-PE" sz="15000" b="1" dirty="0">
+                  <a:solidFill>
+                    <a:schemeClr val="bg1"/>
+                  </a:solidFill>
+                  <a:effectLst/>
+                  <a:latin typeface="Calibri" panose="020F0502020204030204" pitchFamily="34" charset="0"/>
+                  <a:ea typeface="Calibri" panose="020F0502020204030204" pitchFamily="34" charset="0"/>
+                  <a:cs typeface="Times New Roman" panose="02020603050405020304" pitchFamily="18" charset="0"/>
+                </a:rPr>
+                <a:t>A</a:t>
+              </a:r>
+              <a:r>
+                <a:rPr lang="es-PE" sz="7200" b="1" dirty="0">
+                  <a:solidFill>
+                    <a:srgbClr val="FFFFFF"/>
+                  </a:solidFill>
+                  <a:effectLst/>
+                  <a:latin typeface="Calibri" panose="020F0502020204030204" pitchFamily="34" charset="0"/>
+                  <a:ea typeface="Calibri" panose="020F0502020204030204" pitchFamily="34" charset="0"/>
+                  <a:cs typeface="Times New Roman" panose="02020603050405020304" pitchFamily="18" charset="0"/>
+                </a:rPr>
+                <a:t> </a:t>
+              </a:r>
+              <a:endParaRPr lang="es-PE" sz="7200" dirty="0">
                 <a:effectLst/>
                 <a:latin typeface="Calibri" panose="020F0502020204030204" pitchFamily="34" charset="0"/>
                 <a:ea typeface="Calibri" panose="020F0502020204030204" pitchFamily="34" charset="0"/>
                 <a:cs typeface="Times New Roman" panose="02020603050405020304" pitchFamily="18" charset="0"/>
-              </a:rPr>
-              <a:t>A</a:t>
-            </a:r>
-            <a:r>
-              <a:rPr lang="es-PE" sz="7200" b="1" dirty="0">
-                <a:solidFill>
-                  <a:srgbClr val="FFFFFF"/>
-                </a:solidFill>
+              </a:endParaRPr>
+            </a:p>
+            <a:p>
+              <a:pPr algn="ctr">
+                <a:lnSpc>
+                  <a:spcPct val="107000"/>
+                </a:lnSpc>
+                <a:spcAft>
+                  <a:spcPts val="800"/>
+                </a:spcAft>
+              </a:pPr>
+              <a:r>
+                <a:rPr lang="es-PE" sz="1800" b="1" dirty="0">
+                  <a:solidFill>
+                    <a:srgbClr val="FFFFFF"/>
+                  </a:solidFill>
+                  <a:effectLst/>
+                  <a:latin typeface="Calibri" panose="020F0502020204030204" pitchFamily="34" charset="0"/>
+                  <a:ea typeface="Calibri" panose="020F0502020204030204" pitchFamily="34" charset="0"/>
+                  <a:cs typeface="Times New Roman" panose="02020603050405020304" pitchFamily="18" charset="0"/>
+                </a:rPr>
+                <a:t> </a:t>
+              </a:r>
+              <a:endParaRPr lang="es-PE" sz="1100" dirty="0">
                 <a:effectLst/>
                 <a:latin typeface="Calibri" panose="020F0502020204030204" pitchFamily="34" charset="0"/>
                 <a:ea typeface="Calibri" panose="020F0502020204030204" pitchFamily="34" charset="0"/>
                 <a:cs typeface="Times New Roman" panose="02020603050405020304" pitchFamily="18" charset="0"/>
-              </a:rPr>
-              <a:t> </a:t>
-            </a:r>
-            <a:endParaRPr lang="es-PE" sz="7200" dirty="0">
-              <a:effectLst/>
-              <a:latin typeface="Calibri" panose="020F0502020204030204" pitchFamily="34" charset="0"/>
-              <a:ea typeface="Calibri" panose="020F0502020204030204" pitchFamily="34" charset="0"/>
-              <a:cs typeface="Times New Roman" panose="02020603050405020304" pitchFamily="18" charset="0"/>
-            </a:endParaRPr>
-          </a:p>
-          <a:p>
-            <a:pPr algn="ctr">
-              <a:lnSpc>
-                <a:spcPct val="107000"/>
-              </a:lnSpc>
-              <a:spcAft>
-                <a:spcPts val="800"/>
-              </a:spcAft>
-            </a:pPr>
-            <a:r>
-              <a:rPr lang="es-PE" sz="1800" b="1" dirty="0">
-                <a:solidFill>
-                  <a:srgbClr val="FFFFFF"/>
-                </a:solidFill>
+              </a:endParaRPr>
+            </a:p>
+            <a:p>
+              <a:pPr>
+                <a:lnSpc>
+                  <a:spcPct val="107000"/>
+                </a:lnSpc>
+                <a:spcAft>
+                  <a:spcPts val="800"/>
+                </a:spcAft>
+              </a:pPr>
+              <a:r>
+                <a:rPr lang="es-PE" sz="1100" dirty="0">
+                  <a:effectLst/>
+                  <a:latin typeface="Calibri" panose="020F0502020204030204" pitchFamily="34" charset="0"/>
+                  <a:ea typeface="Calibri" panose="020F0502020204030204" pitchFamily="34" charset="0"/>
+                  <a:cs typeface="Times New Roman" panose="02020603050405020304" pitchFamily="18" charset="0"/>
+                </a:rPr>
+                <a:t> </a:t>
+              </a:r>
+            </a:p>
+          </p:txBody>
+        </p:sp>
+        <p:sp>
+          <p:nvSpPr>
+            <p:cNvPr id="23" name="Cuadro de texto 2"/>
+            <p:cNvSpPr txBox="1">
+              <a:spLocks noChangeArrowheads="1"/>
+            </p:cNvSpPr>
+            <p:nvPr/>
+          </p:nvSpPr>
+          <p:spPr bwMode="auto">
+            <a:xfrm rot="21031411">
+              <a:off x="5768643" y="2633739"/>
+              <a:ext cx="757357" cy="771941"/>
+            </a:xfrm>
+            <a:prstGeom prst="rect">
+              <a:avLst/>
+            </a:prstGeom>
+            <a:noFill/>
+            <a:ln w="9525">
+              <a:noFill/>
+              <a:miter lim="800000"/>
+              <a:headEnd/>
+              <a:tailEnd/>
+            </a:ln>
+          </p:spPr>
+          <p:txBody>
+            <a:bodyPr rot="0" vert="horz" wrap="square" lIns="91440" tIns="45720" rIns="91440" bIns="45720" anchor="t" anchorCtr="0">
+              <a:noAutofit/>
+            </a:bodyPr>
+            <a:lstStyle/>
+            <a:p>
+              <a:pPr>
+                <a:lnSpc>
+                  <a:spcPct val="107000"/>
+                </a:lnSpc>
+                <a:spcAft>
+                  <a:spcPts val="800"/>
+                </a:spcAft>
+              </a:pPr>
+              <a:r>
+                <a:rPr lang="es-PE" sz="10000" b="1" dirty="0">
+                  <a:solidFill>
+                    <a:srgbClr val="FFFF00"/>
+                  </a:solidFill>
+                  <a:effectLst/>
+                  <a:ea typeface="Calibri" panose="020F0502020204030204" pitchFamily="34" charset="0"/>
+                  <a:cs typeface="Arial" panose="020B0604020202020204" pitchFamily="34" charset="0"/>
+                </a:rPr>
+                <a:t>s</a:t>
+              </a:r>
+              <a:r>
+                <a:rPr lang="es-PE" sz="2400" b="1" dirty="0">
+                  <a:solidFill>
+                    <a:srgbClr val="FFFFFF"/>
+                  </a:solidFill>
+                  <a:effectLst/>
+                  <a:latin typeface="Calibri" panose="020F0502020204030204" pitchFamily="34" charset="0"/>
+                  <a:ea typeface="Calibri" panose="020F0502020204030204" pitchFamily="34" charset="0"/>
+                  <a:cs typeface="Times New Roman" panose="02020603050405020304" pitchFamily="18" charset="0"/>
+                </a:rPr>
+                <a:t> </a:t>
+              </a:r>
+              <a:endParaRPr lang="es-PE" sz="2400" dirty="0">
                 <a:effectLst/>
                 <a:latin typeface="Calibri" panose="020F0502020204030204" pitchFamily="34" charset="0"/>
                 <a:ea typeface="Calibri" panose="020F0502020204030204" pitchFamily="34" charset="0"/>
                 <a:cs typeface="Times New Roman" panose="02020603050405020304" pitchFamily="18" charset="0"/>
-              </a:rPr>
-              <a:t> </a:t>
-            </a:r>
-            <a:endParaRPr lang="es-PE" sz="1100" dirty="0">
-              <a:effectLst/>
-              <a:latin typeface="Calibri" panose="020F0502020204030204" pitchFamily="34" charset="0"/>
-              <a:ea typeface="Calibri" panose="020F0502020204030204" pitchFamily="34" charset="0"/>
-              <a:cs typeface="Times New Roman" panose="02020603050405020304" pitchFamily="18" charset="0"/>
-            </a:endParaRPr>
-          </a:p>
-          <a:p>
-            <a:pPr>
-              <a:lnSpc>
-                <a:spcPct val="107000"/>
-              </a:lnSpc>
-              <a:spcAft>
-                <a:spcPts val="800"/>
-              </a:spcAft>
-            </a:pPr>
-            <a:r>
-              <a:rPr lang="es-PE" sz="1100" dirty="0">
+              </a:endParaRPr>
+            </a:p>
+            <a:p>
+              <a:pPr algn="ctr">
+                <a:lnSpc>
+                  <a:spcPct val="107000"/>
+                </a:lnSpc>
+                <a:spcAft>
+                  <a:spcPts val="800"/>
+                </a:spcAft>
+              </a:pPr>
+              <a:r>
+                <a:rPr lang="es-PE" sz="1800" b="1" dirty="0">
+                  <a:solidFill>
+                    <a:srgbClr val="FFFFFF"/>
+                  </a:solidFill>
+                  <a:effectLst/>
+                  <a:latin typeface="Calibri" panose="020F0502020204030204" pitchFamily="34" charset="0"/>
+                  <a:ea typeface="Calibri" panose="020F0502020204030204" pitchFamily="34" charset="0"/>
+                  <a:cs typeface="Times New Roman" panose="02020603050405020304" pitchFamily="18" charset="0"/>
+                </a:rPr>
+                <a:t> </a:t>
+              </a:r>
+              <a:endParaRPr lang="es-PE" sz="1100" dirty="0">
                 <a:effectLst/>
                 <a:latin typeface="Calibri" panose="020F0502020204030204" pitchFamily="34" charset="0"/>
                 <a:ea typeface="Calibri" panose="020F0502020204030204" pitchFamily="34" charset="0"/>
                 <a:cs typeface="Times New Roman" panose="02020603050405020304" pitchFamily="18" charset="0"/>
-              </a:rPr>
-              <a:t> </a:t>
-            </a:r>
-          </a:p>
-        </p:txBody>
-      </p:sp>
-      <p:sp>
-        <p:nvSpPr>
-          <p:cNvPr id="23" name="Cuadro de texto 2"/>
-          <p:cNvSpPr txBox="1">
-            <a:spLocks noChangeArrowheads="1"/>
-          </p:cNvSpPr>
-          <p:nvPr/>
-        </p:nvSpPr>
-        <p:spPr bwMode="auto">
-          <a:xfrm rot="21031411">
-            <a:off x="5768643" y="2633739"/>
-            <a:ext cx="757357" cy="771941"/>
-          </a:xfrm>
-          <a:prstGeom prst="rect">
-            <a:avLst/>
-          </a:prstGeom>
-          <a:noFill/>
-          <a:ln w="9525">
-            <a:noFill/>
-            <a:miter lim="800000"/>
-            <a:headEnd/>
-            <a:tailEnd/>
-          </a:ln>
-        </p:spPr>
-        <p:txBody>
-          <a:bodyPr rot="0" vert="horz" wrap="square" lIns="91440" tIns="45720" rIns="91440" bIns="45720" anchor="t" anchorCtr="0">
-            <a:noAutofit/>
-          </a:bodyPr>
-          <a:lstStyle/>
-          <a:p>
-            <a:pPr>
-              <a:lnSpc>
-                <a:spcPct val="107000"/>
-              </a:lnSpc>
-              <a:spcAft>
-                <a:spcPts val="800"/>
-              </a:spcAft>
-            </a:pPr>
-            <a:r>
-              <a:rPr lang="es-PE" sz="10000" b="1" dirty="0">
-                <a:solidFill>
-                  <a:srgbClr val="FFFF00"/>
-                </a:solidFill>
-                <a:effectLst/>
-                <a:ea typeface="Calibri" panose="020F0502020204030204" pitchFamily="34" charset="0"/>
-                <a:cs typeface="Arial" panose="020B0604020202020204" pitchFamily="34" charset="0"/>
-              </a:rPr>
-              <a:t>s</a:t>
-            </a:r>
-            <a:r>
-              <a:rPr lang="es-PE" sz="2400" b="1" dirty="0">
-                <a:solidFill>
-                  <a:srgbClr val="FFFFFF"/>
-                </a:solidFill>
-                <a:effectLst/>
-                <a:latin typeface="Calibri" panose="020F0502020204030204" pitchFamily="34" charset="0"/>
-                <a:ea typeface="Calibri" panose="020F0502020204030204" pitchFamily="34" charset="0"/>
-                <a:cs typeface="Times New Roman" panose="02020603050405020304" pitchFamily="18" charset="0"/>
-              </a:rPr>
-              <a:t> </a:t>
-            </a:r>
-            <a:endParaRPr lang="es-PE" sz="2400" dirty="0">
-              <a:effectLst/>
-              <a:latin typeface="Calibri" panose="020F0502020204030204" pitchFamily="34" charset="0"/>
-              <a:ea typeface="Calibri" panose="020F0502020204030204" pitchFamily="34" charset="0"/>
-              <a:cs typeface="Times New Roman" panose="02020603050405020304" pitchFamily="18" charset="0"/>
-            </a:endParaRPr>
-          </a:p>
-          <a:p>
-            <a:pPr algn="ctr">
-              <a:lnSpc>
-                <a:spcPct val="107000"/>
-              </a:lnSpc>
-              <a:spcAft>
-                <a:spcPts val="800"/>
-              </a:spcAft>
-            </a:pPr>
-            <a:r>
-              <a:rPr lang="es-PE" sz="1800" b="1" dirty="0">
-                <a:solidFill>
-                  <a:srgbClr val="FFFFFF"/>
-                </a:solidFill>
-                <a:effectLst/>
-                <a:latin typeface="Calibri" panose="020F0502020204030204" pitchFamily="34" charset="0"/>
-                <a:ea typeface="Calibri" panose="020F0502020204030204" pitchFamily="34" charset="0"/>
-                <a:cs typeface="Times New Roman" panose="02020603050405020304" pitchFamily="18" charset="0"/>
-              </a:rPr>
-              <a:t> </a:t>
-            </a:r>
-            <a:endParaRPr lang="es-PE" sz="1100" dirty="0">
-              <a:effectLst/>
-              <a:latin typeface="Calibri" panose="020F0502020204030204" pitchFamily="34" charset="0"/>
-              <a:ea typeface="Calibri" panose="020F0502020204030204" pitchFamily="34" charset="0"/>
-              <a:cs typeface="Times New Roman" panose="02020603050405020304" pitchFamily="18" charset="0"/>
-            </a:endParaRPr>
-          </a:p>
-          <a:p>
-            <a:pPr>
-              <a:lnSpc>
-                <a:spcPct val="107000"/>
-              </a:lnSpc>
-              <a:spcAft>
-                <a:spcPts val="800"/>
-              </a:spcAft>
-            </a:pPr>
-            <a:r>
-              <a:rPr lang="es-PE" sz="1100" dirty="0">
-                <a:effectLst/>
-                <a:latin typeface="Calibri" panose="020F0502020204030204" pitchFamily="34" charset="0"/>
-                <a:ea typeface="Calibri" panose="020F0502020204030204" pitchFamily="34" charset="0"/>
-                <a:cs typeface="Times New Roman" panose="02020603050405020304" pitchFamily="18" charset="0"/>
-              </a:rPr>
-              <a:t> </a:t>
-            </a:r>
-          </a:p>
-        </p:txBody>
-      </p:sp>
+              </a:endParaRPr>
+            </a:p>
+            <a:p>
+              <a:pPr>
+                <a:lnSpc>
+                  <a:spcPct val="107000"/>
+                </a:lnSpc>
+                <a:spcAft>
+                  <a:spcPts val="800"/>
+                </a:spcAft>
+              </a:pPr>
+              <a:r>
+                <a:rPr lang="es-PE" sz="1100" dirty="0">
+                  <a:effectLst/>
+                  <a:latin typeface="Calibri" panose="020F0502020204030204" pitchFamily="34" charset="0"/>
+                  <a:ea typeface="Calibri" panose="020F0502020204030204" pitchFamily="34" charset="0"/>
+                  <a:cs typeface="Times New Roman" panose="02020603050405020304" pitchFamily="18" charset="0"/>
+                </a:rPr>
+                <a:t> </a:t>
+              </a:r>
+            </a:p>
+          </p:txBody>
+        </p:sp>
+      </p:grpSp>
       <p:pic>
         <p:nvPicPr>
           <p:cNvPr id="12" name="Imagen 11"/>
@@ -3983,14 +3998,139 @@
         </p:blipFill>
         <p:spPr>
           <a:xfrm>
-            <a:off x="326572" y="493485"/>
-            <a:ext cx="11634935" cy="6201741"/>
+            <a:off x="538608" y="628558"/>
+            <a:ext cx="3052732" cy="1627190"/>
           </a:xfrm>
           <a:prstGeom prst="rect">
             <a:avLst/>
           </a:prstGeom>
         </p:spPr>
       </p:pic>
+      <p:pic>
+        <p:nvPicPr>
+          <p:cNvPr id="9" name="Imagen 8"/>
+          <p:cNvPicPr>
+            <a:picLocks noChangeAspect="1"/>
+          </p:cNvPicPr>
+          <p:nvPr/>
+        </p:nvPicPr>
+        <p:blipFill>
+          <a:blip r:embed="rId6">
+            <a:extLst>
+              <a:ext uri="{BEBA8EAE-BF5A-486C-A8C5-ECC9F3942E4B}">
+                <a14:imgProps xmlns:a14="http://schemas.microsoft.com/office/drawing/2010/main">
+                  <a14:imgLayer r:embed="rId7">
+                    <a14:imgEffect>
+                      <a14:backgroundRemoval t="0" b="100000" l="0" r="100000">
+                        <a14:foregroundMark x1="12573" y1="30948" x2="12573" y2="30948"/>
+                        <a14:foregroundMark x1="10445" y1="18182" x2="10445" y2="18182"/>
+                        <a14:foregroundMark x1="25338" y1="30368" x2="25338" y2="30368"/>
+                        <a14:foregroundMark x1="14120" y1="43907" x2="14120" y2="43907"/>
+                        <a14:foregroundMark x1="11412" y1="60348" x2="11412" y2="60348"/>
+                        <a14:foregroundMark x1="8704" y1="80271" x2="7737" y2="81818"/>
+                        <a14:foregroundMark x1="17988" y1="89362" x2="20696" y2="90135"/>
+                        <a14:foregroundMark x1="22244" y1="90135" x2="36364" y2="93810"/>
+                        <a14:foregroundMark x1="41779" y1="94391" x2="48936" y2="95938"/>
+                        <a14:foregroundMark x1="55706" y1="96132" x2="67118" y2="97485"/>
+                        <a14:foregroundMark x1="69246" y1="96518" x2="69246" y2="96518"/>
+                        <a14:foregroundMark x1="80077" y1="94004" x2="80077" y2="94004"/>
+                        <a14:foregroundMark x1="83366" y1="92070" x2="84913" y2="89942"/>
+                        <a14:foregroundMark x1="85493" y1="88975" x2="85493" y2="88975"/>
+                        <a14:foregroundMark x1="86267" y1="85300" x2="87234" y2="83946"/>
+                        <a14:foregroundMark x1="87621" y1="78723" x2="87814" y2="76015"/>
+                        <a14:foregroundMark x1="88395" y1="68859" x2="88975" y2="65571"/>
+                        <a14:foregroundMark x1="88975" y1="54739" x2="89555" y2="50097"/>
+                        <a14:foregroundMark x1="89942" y1="39652" x2="89942" y2="39652"/>
+                        <a14:foregroundMark x1="88781" y1="34236" x2="88781" y2="34236"/>
+                        <a14:foregroundMark x1="87621" y1="29400" x2="76983" y2="26692"/>
+                        <a14:foregroundMark x1="71567" y1="28820" x2="71567" y2="28820"/>
+                        <a14:foregroundMark x1="78143" y1="36557" x2="78143" y2="36557"/>
+                        <a14:foregroundMark x1="84913" y1="46035" x2="85493" y2="47969"/>
+                        <a14:foregroundMark x1="91683" y1="61509" x2="93810" y2="62863"/>
+                        <a14:foregroundMark x1="95358" y1="63056" x2="95938" y2="62282"/>
+                        <a14:foregroundMark x1="93617" y1="40812" x2="93230" y2="38491"/>
+                        <a14:foregroundMark x1="91683" y1="32689" x2="91683" y2="31721"/>
+                        <a14:foregroundMark x1="91489" y1="26306" x2="91489" y2="25145"/>
+                        <a14:foregroundMark x1="90329" y1="20116" x2="90329" y2="20116"/>
+                        <a14:foregroundMark x1="87234" y1="13540" x2="85493" y2="11025"/>
+                        <a14:foregroundMark x1="81818" y1="8704" x2="81818" y2="8704"/>
+                        <a14:foregroundMark x1="81818" y1="8704" x2="80658" y2="7737"/>
+                        <a14:foregroundMark x1="75822" y1="6190" x2="43520" y2="5996"/>
+                        <a14:foregroundMark x1="43520" y1="5996" x2="43520" y2="5996"/>
+                        <a14:foregroundMark x1="36364" y1="5416" x2="29207" y2="4449"/>
+                        <a14:foregroundMark x1="19923" y1="3868" x2="13733" y2="4642"/>
+                        <a14:foregroundMark x1="11025" y1="5609" x2="7157" y2="7350"/>
+                        <a14:foregroundMark x1="4255" y1="8704" x2="3868" y2="10445"/>
+                        <a14:foregroundMark x1="3868" y1="11025" x2="4449" y2="15474"/>
+                        <a14:foregroundMark x1="5416" y1="17602" x2="6963" y2="24952"/>
+                        <a14:foregroundMark x1="6963" y1="25532" x2="7157" y2="27273"/>
+                        <a14:foregroundMark x1="7737" y1="30368" x2="9284" y2="39072"/>
+                        <a14:foregroundMark x1="9865" y1="39265" x2="18375" y2="38104"/>
+                        <a14:foregroundMark x1="21083" y1="34816" x2="21857" y2="33849"/>
+                        <a14:backgroundMark x1="29787" y1="45648" x2="28046" y2="81238"/>
+                        <a14:backgroundMark x1="28046" y1="81238" x2="71567" y2="82398"/>
+                        <a14:backgroundMark x1="71567" y1="82398" x2="71954" y2="43520"/>
+                        <a14:backgroundMark x1="29400" y1="45648" x2="48936" y2="39072"/>
+                        <a14:backgroundMark x1="48936" y1="39072" x2="72147" y2="43907"/>
+                      </a14:backgroundRemoval>
+                    </a14:imgEffect>
+                  </a14:imgLayer>
+                </a14:imgProps>
+              </a:ext>
+              <a:ext uri="{28A0092B-C50C-407E-A947-70E740481C1C}">
+                <a14:useLocalDpi xmlns:a14="http://schemas.microsoft.com/office/drawing/2010/main" val="0"/>
+              </a:ext>
+            </a:extLst>
+          </a:blip>
+          <a:stretch>
+            <a:fillRect/>
+          </a:stretch>
+        </p:blipFill>
+        <p:spPr>
+          <a:xfrm>
+            <a:off x="7245563" y="1041247"/>
+            <a:ext cx="2868109" cy="2868109"/>
+          </a:xfrm>
+          <a:prstGeom prst="rect">
+            <a:avLst/>
+          </a:prstGeom>
+        </p:spPr>
+      </p:pic>
+      <p:sp>
+        <p:nvSpPr>
+          <p:cNvPr id="11" name="CuadroTexto 10"/>
+          <p:cNvSpPr txBox="1"/>
+          <p:nvPr/>
+        </p:nvSpPr>
+        <p:spPr>
+          <a:xfrm>
+            <a:off x="8114667" y="2019144"/>
+            <a:ext cx="1285461" cy="1323439"/>
+          </a:xfrm>
+          <a:prstGeom prst="rect">
+            <a:avLst/>
+          </a:prstGeom>
+          <a:noFill/>
+        </p:spPr>
+        <p:txBody>
+          <a:bodyPr wrap="square" rtlCol="0">
+            <a:spAutoFit/>
+          </a:bodyPr>
+          <a:lstStyle/>
+          <a:p>
+            <a:r>
+              <a:rPr lang="es-PE" sz="8000" b="1" i="1" dirty="0">
+                <a:solidFill>
+                  <a:srgbClr val="EE8512"/>
+                </a:solidFill>
+                <a:latin typeface="Adobe Gurmukhi" panose="01010101010101010101" pitchFamily="50" charset="0"/>
+                <a:cs typeface="Adobe Gurmukhi" panose="01010101010101010101" pitchFamily="50" charset="0"/>
+              </a:rPr>
+              <a:t>as</a:t>
+            </a:r>
+          </a:p>
+        </p:txBody>
+      </p:sp>
     </p:spTree>
     <p:extLst>
       <p:ext uri="{BB962C8B-B14F-4D97-AF65-F5344CB8AC3E}">
